--- a/Presentations/04 JavaScript syntax - Presentation.pptx
+++ b/Presentations/04 JavaScript syntax - Presentation.pptx
@@ -5613,7 +5613,7 @@
         <p:spPr>
           <a:xfrm>
             <a:off x="685800" y="1143000"/>
-            <a:ext cx="5486399" cy="3086099"/>
+            <a:ext cx="5486400" cy="3086100"/>
           </a:xfrm>
           <a:custGeom>
             <a:avLst/>
@@ -36518,7 +36518,7 @@
               <a:buChar char="•"/>
             </a:pPr>
             <a:r>
-              <a:rPr lang="en-US" sz="2400" b="0" i="0" u="none" strike="noStrike" cap="none">
+              <a:rPr lang="en-US" sz="2400" b="0" i="0" u="none" strike="noStrike" cap="none" dirty="0">
                 <a:solidFill>
                   <a:schemeClr val="lt1"/>
                 </a:solidFill>
@@ -36529,7 +36529,7 @@
               </a:rPr>
               <a:t>Exercise 2:</a:t>
             </a:r>
-            <a:endParaRPr/>
+            <a:endParaRPr dirty="0"/>
           </a:p>
           <a:p>
             <a:pPr marL="685800" marR="0" lvl="1" indent="-228600" algn="l" rtl="0">
@@ -36550,7 +36550,7 @@
               <a:buChar char="•"/>
             </a:pPr>
             <a:r>
-              <a:rPr lang="en-US" sz="2000" b="0" i="0" u="none" strike="noStrike" cap="none">
+              <a:rPr lang="en-US" sz="2000" b="0" i="0" u="none" strike="noStrike" cap="none" dirty="0">
                 <a:solidFill>
                   <a:schemeClr val="lt1"/>
                 </a:solidFill>
@@ -36561,7 +36561,7 @@
               </a:rPr>
               <a:t>Create simple form allowing entering 3 values</a:t>
             </a:r>
-            <a:endParaRPr/>
+            <a:endParaRPr dirty="0"/>
           </a:p>
           <a:p>
             <a:pPr marL="685800" marR="0" lvl="1" indent="-228600" algn="l" rtl="0">
@@ -36582,7 +36582,7 @@
               <a:buChar char="•"/>
             </a:pPr>
             <a:r>
-              <a:rPr lang="en-US" sz="2000" b="0" i="0" u="none" strike="noStrike" cap="none">
+              <a:rPr lang="en-US" sz="2000" b="0" i="0" u="none" strike="noStrike" cap="none" dirty="0">
                 <a:solidFill>
                   <a:schemeClr val="lt1"/>
                 </a:solidFill>
@@ -36593,7 +36593,7 @@
               </a:rPr>
               <a:t>Define array and add these values as first 3 elements of the array</a:t>
             </a:r>
-            <a:endParaRPr/>
+            <a:endParaRPr dirty="0"/>
           </a:p>
           <a:p>
             <a:pPr marL="685800" marR="0" lvl="1" indent="-228600" algn="l" rtl="0">
@@ -36614,7 +36614,7 @@
               <a:buChar char="•"/>
             </a:pPr>
             <a:r>
-              <a:rPr lang="en-US" sz="2000" b="0" i="0" u="none" strike="noStrike" cap="none">
+              <a:rPr lang="en-US" sz="2000" b="0" i="0" u="none" strike="noStrike" cap="none" dirty="0">
                 <a:solidFill>
                   <a:schemeClr val="lt1"/>
                 </a:solidFill>
@@ -36625,7 +36625,7 @@
               </a:rPr>
               <a:t>Define additional variable X with value 10</a:t>
             </a:r>
-            <a:endParaRPr/>
+            <a:endParaRPr dirty="0"/>
           </a:p>
           <a:p>
             <a:pPr marL="685800" marR="0" lvl="1" indent="-228600" algn="l" rtl="0">
@@ -36646,7 +36646,7 @@
               <a:buChar char="•"/>
             </a:pPr>
             <a:r>
-              <a:rPr lang="en-US" sz="2000" b="0" i="0" u="none" strike="noStrike" cap="none">
+              <a:rPr lang="en-US" sz="2000" b="0" i="0" u="none" strike="noStrike" cap="none" dirty="0">
                 <a:solidFill>
                   <a:schemeClr val="lt1"/>
                 </a:solidFill>
@@ -36658,7 +36658,7 @@
               <a:t>Use the operator </a:t>
             </a:r>
             <a:r>
-              <a:rPr lang="en-US" sz="2000" b="1" i="0" u="none" strike="noStrike" cap="none">
+              <a:rPr lang="en-US" sz="2000" b="1" i="0" u="none" strike="noStrike" cap="none" dirty="0">
                 <a:solidFill>
                   <a:srgbClr val="F8DC9E"/>
                 </a:solidFill>
@@ -36670,7 +36670,7 @@
               <a:t>b ? x : y</a:t>
             </a:r>
             <a:r>
-              <a:rPr lang="en-US" sz="2000" b="0" i="0" u="none" strike="noStrike" cap="none">
+              <a:rPr lang="en-US" sz="2000" b="0" i="0" u="none" strike="noStrike" cap="none" dirty="0">
                 <a:solidFill>
                   <a:schemeClr val="lt1"/>
                 </a:solidFill>
@@ -36681,7 +36681,7 @@
               </a:rPr>
               <a:t> to compare X to each of the values</a:t>
             </a:r>
-            <a:endParaRPr/>
+            <a:endParaRPr dirty="0"/>
           </a:p>
           <a:p>
             <a:pPr marL="685800" marR="0" lvl="1" indent="-228600" algn="l" rtl="0">
@@ -36702,7 +36702,7 @@
               <a:buChar char="•"/>
             </a:pPr>
             <a:r>
-              <a:rPr lang="en-US" sz="2000" b="0" i="0" u="none" strike="noStrike" cap="none">
+              <a:rPr lang="en-US" sz="2000" b="0" i="0" u="none" strike="noStrike" cap="none" dirty="0">
                 <a:solidFill>
                   <a:schemeClr val="lt1"/>
                 </a:solidFill>
@@ -36713,7 +36713,7 @@
               </a:rPr>
               <a:t>Display in the console the result of each operation as a sentence</a:t>
             </a:r>
-            <a:endParaRPr/>
+            <a:endParaRPr dirty="0"/>
           </a:p>
           <a:p>
             <a:pPr marL="1143000" marR="0" lvl="2" indent="-228600" algn="l" rtl="0">
@@ -36734,7 +36734,7 @@
               <a:buChar char="•"/>
             </a:pPr>
             <a:r>
-              <a:rPr lang="en-US" sz="1800" b="0" i="0" u="none" strike="noStrike" cap="none">
+              <a:rPr lang="en-US" sz="1800" b="0" i="0" u="none" strike="noStrike" cap="none" dirty="0">
                 <a:solidFill>
                   <a:schemeClr val="lt1"/>
                 </a:solidFill>
@@ -36743,9 +36743,9 @@
                 <a:cs typeface="Questrial"/>
                 <a:sym typeface="Questrial"/>
               </a:rPr>
-              <a:t>Comparing 5 and 6 we found out the 6 is greater</a:t>
-            </a:r>
-            <a:endParaRPr/>
+              <a:t>Comparing 5 and 10 we found out the 10 is greater</a:t>
+            </a:r>
+            <a:endParaRPr dirty="0"/>
           </a:p>
           <a:p>
             <a:pPr marL="685800" marR="0" lvl="1" indent="-228600" algn="l" rtl="0">
@@ -36765,7 +36765,7 @@
               <a:buFont typeface="Arial"/>
               <a:buNone/>
             </a:pPr>
-            <a:endParaRPr sz="2000" b="0" i="0" u="none" strike="noStrike" cap="none">
+            <a:endParaRPr sz="2000" b="0" i="0" u="none" strike="noStrike" cap="none" dirty="0">
               <a:solidFill>
                 <a:schemeClr val="lt1"/>
               </a:solidFill>
@@ -36793,7 +36793,7 @@
               <a:buFont typeface="Arial"/>
               <a:buNone/>
             </a:pPr>
-            <a:endParaRPr sz="2400" b="0" i="0" u="none" strike="noStrike" cap="none">
+            <a:endParaRPr sz="2400" b="0" i="0" u="none" strike="noStrike" cap="none" dirty="0">
               <a:solidFill>
                 <a:schemeClr val="lt1"/>
               </a:solidFill>
